--- a/files/slides/lecture_4.pptx
+++ b/files/slides/lecture_4.pptx
@@ -6151,7 +6151,9 @@
   <dgm:styleData>
     <dgm:dataModel>
       <dgm:ptLst>
-        <dgm:pt modelId="0" type="doc"/>
+        <dgm:pt modelId="0" type="doc">
+          <dgm:prSet qsTypeId="urn:microsoft.com/office/officeart/2005/8/quickstyle/simple5"/>
+        </dgm:pt>
         <dgm:pt modelId="1"/>
         <dgm:pt modelId="2"/>
       </dgm:ptLst>
@@ -6318,7 +6320,9 @@
   <dgm:styleData>
     <dgm:dataModel>
       <dgm:ptLst>
-        <dgm:pt modelId="0" type="doc"/>
+        <dgm:pt modelId="0" type="doc">
+          <dgm:prSet qsTypeId="urn:microsoft.com/office/officeart/2005/8/quickstyle/simple5"/>
+        </dgm:pt>
         <dgm:pt modelId="1"/>
         <dgm:pt modelId="2"/>
       </dgm:ptLst>
@@ -6485,7 +6489,9 @@
   <dgm:styleData>
     <dgm:dataModel>
       <dgm:ptLst>
-        <dgm:pt modelId="0" type="doc"/>
+        <dgm:pt modelId="0" type="doc">
+          <dgm:prSet qsTypeId="urn:microsoft.com/office/officeart/2005/8/quickstyle/simple5"/>
+        </dgm:pt>
         <dgm:pt modelId="1"/>
         <dgm:pt modelId="2"/>
       </dgm:ptLst>
@@ -16970,20 +16976,20 @@
           <p:nvPr/>
         </p:nvGraphicFramePr>
         <p:xfrm>
-          <a:off x="4068266" y="2930053"/>
-          <a:ext cx="5815219" cy="3140490"/>
+          <a:off x="3933825" y="2962910"/>
+          <a:ext cx="6491605" cy="2834640"/>
         </p:xfrm>
         <a:graphic>
           <a:graphicData uri="http://schemas.openxmlformats.org/drawingml/2006/table">
             <a:tbl>
               <a:tblPr/>
               <a:tblGrid>
-                <a:gridCol w="1548009"/>
-                <a:gridCol w="1497088"/>
-                <a:gridCol w="1222113"/>
-                <a:gridCol w="1548009"/>
+                <a:gridCol w="1728470"/>
+                <a:gridCol w="1670685"/>
+                <a:gridCol w="1363980"/>
+                <a:gridCol w="1728470"/>
               </a:tblGrid>
-              <a:tr h="406624">
+              <a:tr h="365760">
                 <a:tc>
                   <a:txBody>
                     <a:bodyPr/>
@@ -17365,7 +17371,7 @@
                   </a:tcPr>
                 </a:tc>
               </a:tr>
-              <a:tr h="406624">
+              <a:tr h="365760">
                 <a:tc>
                   <a:txBody>
                     <a:bodyPr/>
@@ -17775,7 +17781,7 @@
                   </a:tcPr>
                 </a:tc>
               </a:tr>
-              <a:tr h="406624">
+              <a:tr h="365760">
                 <a:tc>
                   <a:txBody>
                     <a:bodyPr/>
@@ -18157,7 +18163,7 @@
                   </a:tcPr>
                 </a:tc>
               </a:tr>
-              <a:tr h="406624">
+              <a:tr h="365760">
                 <a:tc>
                   <a:txBody>
                     <a:bodyPr/>
@@ -18539,7 +18545,7 @@
                   </a:tcPr>
                 </a:tc>
               </a:tr>
-              <a:tr h="406624">
+              <a:tr h="365760">
                 <a:tc>
                   <a:txBody>
                     <a:bodyPr/>
@@ -18921,7 +18927,7 @@
                   </a:tcPr>
                 </a:tc>
               </a:tr>
-              <a:tr h="406624">
+              <a:tr h="365760">
                 <a:tc>
                   <a:txBody>
                     <a:bodyPr/>
@@ -19303,7 +19309,7 @@
                   </a:tcPr>
                 </a:tc>
               </a:tr>
-              <a:tr h="700746">
+              <a:tr h="640080">
                 <a:tc>
                   <a:txBody>
                     <a:bodyPr/>
@@ -19971,7 +19977,7 @@
         </p:blipFill>
         <p:spPr>
           <a:xfrm>
-            <a:off x="1013354" y="1575867"/>
+            <a:off x="1023514" y="1575867"/>
             <a:ext cx="9246523" cy="5517397"/>
           </a:xfrm>
           <a:prstGeom prst="rect">
